--- a/changgyu_참고자료/motion_capture.pptx
+++ b/changgyu_참고자료/motion_capture.pptx
@@ -104,6 +104,11 @@
       </a:defRPr>
     </a:lvl9pPr>
   </p:defaultTextStyle>
+  <p:extLst>
+    <p:ext uri="{EFAFB233-063F-42B5-8137-9DF3F51BA10A}">
+      <p15:sldGuideLst xmlns:p15="http://schemas.microsoft.com/office/powerpoint/2012/main"/>
+    </p:ext>
+  </p:extLst>
 </p:presentation>
 </file>
 
@@ -238,7 +243,7 @@
           <a:p>
             <a:fld id="{239D4E7F-16BD-4611-B04A-C0D70EC5C56E}" type="datetimeFigureOut">
               <a:rPr lang="ko-KR" altLang="en-US" smtClean="0"/>
-              <a:t>2019-02-09</a:t>
+              <a:t>2019-02-22</a:t>
             </a:fld>
             <a:endParaRPr lang="ko-KR" altLang="en-US"/>
           </a:p>
@@ -408,7 +413,7 @@
           <a:p>
             <a:fld id="{239D4E7F-16BD-4611-B04A-C0D70EC5C56E}" type="datetimeFigureOut">
               <a:rPr lang="ko-KR" altLang="en-US" smtClean="0"/>
-              <a:t>2019-02-09</a:t>
+              <a:t>2019-02-22</a:t>
             </a:fld>
             <a:endParaRPr lang="ko-KR" altLang="en-US"/>
           </a:p>
@@ -588,7 +593,7 @@
           <a:p>
             <a:fld id="{239D4E7F-16BD-4611-B04A-C0D70EC5C56E}" type="datetimeFigureOut">
               <a:rPr lang="ko-KR" altLang="en-US" smtClean="0"/>
-              <a:t>2019-02-09</a:t>
+              <a:t>2019-02-22</a:t>
             </a:fld>
             <a:endParaRPr lang="ko-KR" altLang="en-US"/>
           </a:p>
@@ -758,7 +763,7 @@
           <a:p>
             <a:fld id="{239D4E7F-16BD-4611-B04A-C0D70EC5C56E}" type="datetimeFigureOut">
               <a:rPr lang="ko-KR" altLang="en-US" smtClean="0"/>
-              <a:t>2019-02-09</a:t>
+              <a:t>2019-02-22</a:t>
             </a:fld>
             <a:endParaRPr lang="ko-KR" altLang="en-US"/>
           </a:p>
@@ -1002,7 +1007,7 @@
           <a:p>
             <a:fld id="{239D4E7F-16BD-4611-B04A-C0D70EC5C56E}" type="datetimeFigureOut">
               <a:rPr lang="ko-KR" altLang="en-US" smtClean="0"/>
-              <a:t>2019-02-09</a:t>
+              <a:t>2019-02-22</a:t>
             </a:fld>
             <a:endParaRPr lang="ko-KR" altLang="en-US"/>
           </a:p>
@@ -1234,7 +1239,7 @@
           <a:p>
             <a:fld id="{239D4E7F-16BD-4611-B04A-C0D70EC5C56E}" type="datetimeFigureOut">
               <a:rPr lang="ko-KR" altLang="en-US" smtClean="0"/>
-              <a:t>2019-02-09</a:t>
+              <a:t>2019-02-22</a:t>
             </a:fld>
             <a:endParaRPr lang="ko-KR" altLang="en-US"/>
           </a:p>
@@ -1601,7 +1606,7 @@
           <a:p>
             <a:fld id="{239D4E7F-16BD-4611-B04A-C0D70EC5C56E}" type="datetimeFigureOut">
               <a:rPr lang="ko-KR" altLang="en-US" smtClean="0"/>
-              <a:t>2019-02-09</a:t>
+              <a:t>2019-02-22</a:t>
             </a:fld>
             <a:endParaRPr lang="ko-KR" altLang="en-US"/>
           </a:p>
@@ -1719,7 +1724,7 @@
           <a:p>
             <a:fld id="{239D4E7F-16BD-4611-B04A-C0D70EC5C56E}" type="datetimeFigureOut">
               <a:rPr lang="ko-KR" altLang="en-US" smtClean="0"/>
-              <a:t>2019-02-09</a:t>
+              <a:t>2019-02-22</a:t>
             </a:fld>
             <a:endParaRPr lang="ko-KR" altLang="en-US"/>
           </a:p>
@@ -1814,7 +1819,7 @@
           <a:p>
             <a:fld id="{239D4E7F-16BD-4611-B04A-C0D70EC5C56E}" type="datetimeFigureOut">
               <a:rPr lang="ko-KR" altLang="en-US" smtClean="0"/>
-              <a:t>2019-02-09</a:t>
+              <a:t>2019-02-22</a:t>
             </a:fld>
             <a:endParaRPr lang="ko-KR" altLang="en-US"/>
           </a:p>
@@ -2091,7 +2096,7 @@
           <a:p>
             <a:fld id="{239D4E7F-16BD-4611-B04A-C0D70EC5C56E}" type="datetimeFigureOut">
               <a:rPr lang="ko-KR" altLang="en-US" smtClean="0"/>
-              <a:t>2019-02-09</a:t>
+              <a:t>2019-02-22</a:t>
             </a:fld>
             <a:endParaRPr lang="ko-KR" altLang="en-US"/>
           </a:p>
@@ -2348,7 +2353,7 @@
           <a:p>
             <a:fld id="{239D4E7F-16BD-4611-B04A-C0D70EC5C56E}" type="datetimeFigureOut">
               <a:rPr lang="ko-KR" altLang="en-US" smtClean="0"/>
-              <a:t>2019-02-09</a:t>
+              <a:t>2019-02-22</a:t>
             </a:fld>
             <a:endParaRPr lang="ko-KR" altLang="en-US"/>
           </a:p>
@@ -2561,7 +2566,7 @@
           <a:p>
             <a:fld id="{239D4E7F-16BD-4611-B04A-C0D70EC5C56E}" type="datetimeFigureOut">
               <a:rPr lang="ko-KR" altLang="en-US" smtClean="0"/>
-              <a:t>2019-02-09</a:t>
+              <a:t>2019-02-22</a:t>
             </a:fld>
             <a:endParaRPr lang="ko-KR" altLang="en-US"/>
           </a:p>
@@ -2968,13 +2973,13 @@
       </p:grpSpPr>
       <p:pic>
         <p:nvPicPr>
-          <p:cNvPr id="4" name="그림 3"/>
+          <p:cNvPr id="3" name="그림 2"/>
           <p:cNvPicPr>
             <a:picLocks noChangeAspect="1"/>
           </p:cNvPicPr>
           <p:nvPr/>
         </p:nvPicPr>
-        <p:blipFill>
+        <p:blipFill rotWithShape="1">
           <a:blip r:embed="rId2">
             <a:extLst>
               <a:ext uri="{28A0092B-C50C-407E-A947-70E740481C1C}">
@@ -2982,20 +2987,124 @@
               </a:ext>
             </a:extLst>
           </a:blip>
-          <a:stretch>
-            <a:fillRect/>
-          </a:stretch>
+          <a:srcRect l="9096" b="16118"/>
+          <a:stretch/>
         </p:blipFill>
         <p:spPr>
           <a:xfrm>
-            <a:off x="-1" y="0"/>
-            <a:ext cx="9162971" cy="6858000"/>
+            <a:off x="-804024" y="0"/>
+            <a:ext cx="11518971" cy="7955280"/>
           </a:xfrm>
           <a:prstGeom prst="rect">
             <a:avLst/>
           </a:prstGeom>
+          <a:solidFill>
+            <a:schemeClr val="bg1"/>
+          </a:solidFill>
         </p:spPr>
       </p:pic>
+      <p:sp>
+        <p:nvSpPr>
+          <p:cNvPr id="5" name="타원 4"/>
+          <p:cNvSpPr/>
+          <p:nvPr/>
+        </p:nvSpPr>
+        <p:spPr>
+          <a:xfrm>
+            <a:off x="1691640" y="4145280"/>
+            <a:ext cx="720000" cy="720000"/>
+          </a:xfrm>
+          <a:prstGeom prst="ellipse">
+            <a:avLst/>
+          </a:prstGeom>
+          <a:noFill/>
+          <a:ln w="63500">
+            <a:solidFill>
+              <a:srgbClr val="FFFF00"/>
+            </a:solidFill>
+          </a:ln>
+        </p:spPr>
+        <p:style>
+          <a:lnRef idx="2">
+            <a:schemeClr val="accent1">
+              <a:shade val="50000"/>
+            </a:schemeClr>
+          </a:lnRef>
+          <a:fillRef idx="1">
+            <a:schemeClr val="accent1"/>
+          </a:fillRef>
+          <a:effectRef idx="0">
+            <a:schemeClr val="accent1"/>
+          </a:effectRef>
+          <a:fontRef idx="minor">
+            <a:schemeClr val="lt1"/>
+          </a:fontRef>
+        </p:style>
+        <p:txBody>
+          <a:bodyPr rtlCol="0" anchor="ctr"/>
+          <a:lstStyle/>
+          <a:p>
+            <a:pPr algn="ctr"/>
+            <a:endParaRPr lang="ko-KR" altLang="en-US"/>
+          </a:p>
+        </p:txBody>
+      </p:sp>
+      <p:sp>
+        <p:nvSpPr>
+          <p:cNvPr id="6" name="TextBox 5"/>
+          <p:cNvSpPr txBox="1"/>
+          <p:nvPr/>
+        </p:nvSpPr>
+        <p:spPr>
+          <a:xfrm>
+            <a:off x="718740" y="3052822"/>
+            <a:ext cx="6505019" cy="1077218"/>
+          </a:xfrm>
+          <a:prstGeom prst="rect">
+            <a:avLst/>
+          </a:prstGeom>
+          <a:noFill/>
+        </p:spPr>
+        <p:txBody>
+          <a:bodyPr wrap="square" rtlCol="0">
+            <a:spAutoFit/>
+          </a:bodyPr>
+          <a:lstStyle/>
+          <a:p>
+            <a:pPr algn="ctr"/>
+            <a:r>
+              <a:rPr lang="en-US" altLang="ko-KR" sz="3200" b="1" dirty="0" smtClean="0">
+                <a:solidFill>
+                  <a:srgbClr val="FFFF00"/>
+                </a:solidFill>
+                <a:latin typeface="Times New Roman" panose="02020603050405020304" pitchFamily="18" charset="0"/>
+                <a:cs typeface="Times New Roman" panose="02020603050405020304" pitchFamily="18" charset="0"/>
+              </a:rPr>
+              <a:t>Ground truth</a:t>
+            </a:r>
+          </a:p>
+          <a:p>
+            <a:pPr algn="ctr"/>
+            <a:r>
+              <a:rPr lang="en-US" altLang="ko-KR" sz="3200" b="1" dirty="0" smtClean="0">
+                <a:solidFill>
+                  <a:srgbClr val="FFFF00"/>
+                </a:solidFill>
+                <a:latin typeface="Times New Roman" panose="02020603050405020304" pitchFamily="18" charset="0"/>
+                <a:cs typeface="Times New Roman" panose="02020603050405020304" pitchFamily="18" charset="0"/>
+              </a:rPr>
+              <a:t>measured by motion capture</a:t>
+            </a:r>
+            <a:endParaRPr lang="ko-KR" altLang="en-US" sz="3200" b="1" dirty="0">
+              <a:solidFill>
+                <a:srgbClr val="FFFF00"/>
+              </a:solidFill>
+              <a:latin typeface="Times New Roman" panose="02020603050405020304" pitchFamily="18" charset="0"/>
+              <a:cs typeface="Times New Roman" panose="02020603050405020304" pitchFamily="18" charset="0"/>
+            </a:endParaRPr>
+          </a:p>
+        </p:txBody>
+      </p:sp>
     </p:spTree>
     <p:extLst>
       <p:ext uri="{BB962C8B-B14F-4D97-AF65-F5344CB8AC3E}">
